--- a/figures/illustration.pptx
+++ b/figures/illustration.pptx
@@ -243,7 +243,7 @@
           <a:p>
             <a:fld id="{DAB1B81F-EB45-4A58-AC48-73B2ACD4BFFA}" type="datetimeFigureOut">
               <a:rPr lang="fr-FR" smtClean="0"/>
-              <a:t>11/09/2016</a:t>
+              <a:t>01/10/2016</a:t>
             </a:fld>
             <a:endParaRPr lang="fr-FR"/>
           </a:p>
@@ -413,7 +413,7 @@
           <a:p>
             <a:fld id="{DAB1B81F-EB45-4A58-AC48-73B2ACD4BFFA}" type="datetimeFigureOut">
               <a:rPr lang="fr-FR" smtClean="0"/>
-              <a:t>11/09/2016</a:t>
+              <a:t>01/10/2016</a:t>
             </a:fld>
             <a:endParaRPr lang="fr-FR"/>
           </a:p>
@@ -593,7 +593,7 @@
           <a:p>
             <a:fld id="{DAB1B81F-EB45-4A58-AC48-73B2ACD4BFFA}" type="datetimeFigureOut">
               <a:rPr lang="fr-FR" smtClean="0"/>
-              <a:t>11/09/2016</a:t>
+              <a:t>01/10/2016</a:t>
             </a:fld>
             <a:endParaRPr lang="fr-FR"/>
           </a:p>
@@ -763,7 +763,7 @@
           <a:p>
             <a:fld id="{DAB1B81F-EB45-4A58-AC48-73B2ACD4BFFA}" type="datetimeFigureOut">
               <a:rPr lang="fr-FR" smtClean="0"/>
-              <a:t>11/09/2016</a:t>
+              <a:t>01/10/2016</a:t>
             </a:fld>
             <a:endParaRPr lang="fr-FR"/>
           </a:p>
@@ -1009,7 +1009,7 @@
           <a:p>
             <a:fld id="{DAB1B81F-EB45-4A58-AC48-73B2ACD4BFFA}" type="datetimeFigureOut">
               <a:rPr lang="fr-FR" smtClean="0"/>
-              <a:t>11/09/2016</a:t>
+              <a:t>01/10/2016</a:t>
             </a:fld>
             <a:endParaRPr lang="fr-FR"/>
           </a:p>
@@ -1241,7 +1241,7 @@
           <a:p>
             <a:fld id="{DAB1B81F-EB45-4A58-AC48-73B2ACD4BFFA}" type="datetimeFigureOut">
               <a:rPr lang="fr-FR" smtClean="0"/>
-              <a:t>11/09/2016</a:t>
+              <a:t>01/10/2016</a:t>
             </a:fld>
             <a:endParaRPr lang="fr-FR"/>
           </a:p>
@@ -1608,7 +1608,7 @@
           <a:p>
             <a:fld id="{DAB1B81F-EB45-4A58-AC48-73B2ACD4BFFA}" type="datetimeFigureOut">
               <a:rPr lang="fr-FR" smtClean="0"/>
-              <a:t>11/09/2016</a:t>
+              <a:t>01/10/2016</a:t>
             </a:fld>
             <a:endParaRPr lang="fr-FR"/>
           </a:p>
@@ -1726,7 +1726,7 @@
           <a:p>
             <a:fld id="{DAB1B81F-EB45-4A58-AC48-73B2ACD4BFFA}" type="datetimeFigureOut">
               <a:rPr lang="fr-FR" smtClean="0"/>
-              <a:t>11/09/2016</a:t>
+              <a:t>01/10/2016</a:t>
             </a:fld>
             <a:endParaRPr lang="fr-FR"/>
           </a:p>
@@ -1821,7 +1821,7 @@
           <a:p>
             <a:fld id="{DAB1B81F-EB45-4A58-AC48-73B2ACD4BFFA}" type="datetimeFigureOut">
               <a:rPr lang="fr-FR" smtClean="0"/>
-              <a:t>11/09/2016</a:t>
+              <a:t>01/10/2016</a:t>
             </a:fld>
             <a:endParaRPr lang="fr-FR"/>
           </a:p>
@@ -2098,7 +2098,7 @@
           <a:p>
             <a:fld id="{DAB1B81F-EB45-4A58-AC48-73B2ACD4BFFA}" type="datetimeFigureOut">
               <a:rPr lang="fr-FR" smtClean="0"/>
-              <a:t>11/09/2016</a:t>
+              <a:t>01/10/2016</a:t>
             </a:fld>
             <a:endParaRPr lang="fr-FR"/>
           </a:p>
@@ -2351,7 +2351,7 @@
           <a:p>
             <a:fld id="{DAB1B81F-EB45-4A58-AC48-73B2ACD4BFFA}" type="datetimeFigureOut">
               <a:rPr lang="fr-FR" smtClean="0"/>
-              <a:t>11/09/2016</a:t>
+              <a:t>01/10/2016</a:t>
             </a:fld>
             <a:endParaRPr lang="fr-FR"/>
           </a:p>
@@ -2564,7 +2564,7 @@
           <a:p>
             <a:fld id="{DAB1B81F-EB45-4A58-AC48-73B2ACD4BFFA}" type="datetimeFigureOut">
               <a:rPr lang="fr-FR" smtClean="0"/>
-              <a:t>11/09/2016</a:t>
+              <a:t>01/10/2016</a:t>
             </a:fld>
             <a:endParaRPr lang="fr-FR"/>
           </a:p>
@@ -2971,7 +2971,7 @@
       </p:grpSpPr>
       <p:pic>
         <p:nvPicPr>
-          <p:cNvPr id="2" name="Image 1"/>
+          <p:cNvPr id="15" name="Image 14"/>
           <p:cNvPicPr>
             <a:picLocks noChangeAspect="1"/>
           </p:cNvPicPr>
@@ -2991,8 +2991,8 @@
         </p:blipFill>
         <p:spPr>
           <a:xfrm>
-            <a:off x="-41378" y="1532595"/>
-            <a:ext cx="5647619" cy="1638095"/>
+            <a:off x="3315938" y="24485"/>
+            <a:ext cx="3228571" cy="1676190"/>
           </a:xfrm>
           <a:prstGeom prst="rect">
             <a:avLst/>
@@ -3001,7 +3001,7 @@
       </p:pic>
       <p:pic>
         <p:nvPicPr>
-          <p:cNvPr id="3" name="Image 2"/>
+          <p:cNvPr id="16" name="Image 15"/>
           <p:cNvPicPr>
             <a:picLocks noChangeAspect="1"/>
           </p:cNvPicPr>
@@ -3021,8 +3021,8 @@
         </p:blipFill>
         <p:spPr>
           <a:xfrm>
-            <a:off x="-63371" y="-45265"/>
-            <a:ext cx="5742857" cy="1657143"/>
+            <a:off x="15290" y="-46900"/>
+            <a:ext cx="3180952" cy="1866667"/>
           </a:xfrm>
           <a:prstGeom prst="rect">
             <a:avLst/>
@@ -3031,13 +3031,13 @@
       </p:pic>
       <p:sp>
         <p:nvSpPr>
-          <p:cNvPr id="8" name="Ellipse 7"/>
+          <p:cNvPr id="17" name="Ellipse 16"/>
           <p:cNvSpPr/>
           <p:nvPr/>
         </p:nvSpPr>
         <p:spPr>
           <a:xfrm>
-            <a:off x="184726" y="2731477"/>
+            <a:off x="190221" y="1409770"/>
             <a:ext cx="295564" cy="240145"/>
           </a:xfrm>
           <a:prstGeom prst="ellipse">
@@ -3067,21 +3067,59 @@
             <a:pPr algn="ctr"/>
             <a:r>
               <a:rPr lang="en-US" smtClean="0"/>
-              <a:t>b</a:t>
-            </a:r>
-            <a:endParaRPr lang="fr-FR"/>
-          </a:p>
-        </p:txBody>
-      </p:sp>
-      <p:sp>
-        <p:nvSpPr>
-          <p:cNvPr id="9" name="Ellipse 8"/>
+              <a:t>a</a:t>
+            </a:r>
+            <a:endParaRPr lang="fr-FR"/>
+          </a:p>
+        </p:txBody>
+      </p:sp>
+      <p:sp>
+        <p:nvSpPr>
+          <p:cNvPr id="18" name="Flèche droite 17"/>
           <p:cNvSpPr/>
           <p:nvPr/>
         </p:nvSpPr>
         <p:spPr>
           <a:xfrm>
-            <a:off x="112300" y="1210598"/>
+            <a:off x="3105423" y="778598"/>
+            <a:ext cx="293296" cy="135802"/>
+          </a:xfrm>
+          <a:prstGeom prst="rightArrow">
+            <a:avLst/>
+          </a:prstGeom>
+        </p:spPr>
+        <p:style>
+          <a:lnRef idx="2">
+            <a:schemeClr val="dk1"/>
+          </a:lnRef>
+          <a:fillRef idx="1">
+            <a:schemeClr val="lt1"/>
+          </a:fillRef>
+          <a:effectRef idx="0">
+            <a:schemeClr val="dk1"/>
+          </a:effectRef>
+          <a:fontRef idx="minor">
+            <a:schemeClr val="dk1"/>
+          </a:fontRef>
+        </p:style>
+        <p:txBody>
+          <a:bodyPr rtlCol="0" anchor="ctr"/>
+          <a:lstStyle/>
+          <a:p>
+            <a:pPr algn="ctr"/>
+            <a:endParaRPr lang="fr-FR"/>
+          </a:p>
+        </p:txBody>
+      </p:sp>
+      <p:sp>
+        <p:nvSpPr>
+          <p:cNvPr id="20" name="Ellipse 19"/>
+          <p:cNvSpPr/>
+          <p:nvPr/>
+        </p:nvSpPr>
+        <p:spPr>
+          <a:xfrm>
+            <a:off x="3462092" y="1255752"/>
             <a:ext cx="295564" cy="240145"/>
           </a:xfrm>
           <a:prstGeom prst="ellipse">
@@ -3111,7 +3149,7 @@
             <a:pPr algn="ctr"/>
             <a:r>
               <a:rPr lang="en-US" smtClean="0"/>
-              <a:t>a</a:t>
+              <a:t>b</a:t>
             </a:r>
             <a:endParaRPr lang="fr-FR"/>
           </a:p>
